--- a/bin/pptx/Plantilla_2022.pptx
+++ b/bin/pptx/Plantilla_2022.pptx
@@ -212,7 +212,7 @@
           <a:p>
             <a:fld id="{D2E510D4-6252-4617-8008-E42D327ED6EF}" type="datetimeFigureOut">
               <a:rPr lang="es-MX" smtClean="0"/>
-              <a:t>15/02/22</a:t>
+              <a:t>15/02/2022</a:t>
             </a:fld>
             <a:endParaRPr lang="es-MX"/>
           </a:p>
@@ -389,7 +389,7 @@
           <a:p>
             <a:fld id="{43F46E94-6C36-4328-9EA8-2AA8EB7A5F5D}" type="datetimeFigureOut">
               <a:rPr lang="es-MX" smtClean="0"/>
-              <a:t>15/02/22</a:t>
+              <a:t>15/02/2022</a:t>
             </a:fld>
             <a:endParaRPr lang="es-MX"/>
           </a:p>
@@ -659,7 +659,7 @@
 
 <file path=ppt/slideLayouts/slideLayout1.xml><?xml version="1.0" encoding="utf-8"?>
 <p:sldLayout xmlns:a="http://schemas.openxmlformats.org/drawingml/2006/main" xmlns:r="http://schemas.openxmlformats.org/officeDocument/2006/relationships" xmlns:p="http://schemas.openxmlformats.org/presentationml/2006/main" preserve="1" userDrawn="1">
-  <p:cSld name="dispositiva_titulo">
+  <p:cSld name="diapositiva_titulo">
     <p:spTree>
       <p:nvGrpSpPr>
         <p:cNvPr id="1" name=""/>

--- a/bin/pptx/Plantilla_2022.pptx
+++ b/bin/pptx/Plantilla_2022.pptx
@@ -773,7 +773,7 @@
       </p:sp>
       <p:sp>
         <p:nvSpPr>
-          <p:cNvPr id="2" name="titulo_gral">
+          <p:cNvPr id="2" name="titulo_general">
             <a:extLst>
               <a:ext uri="{FF2B5EF4-FFF2-40B4-BE49-F238E27FC236}">
                 <a16:creationId xmlns:a16="http://schemas.microsoft.com/office/drawing/2014/main" id="{1DF558A8-7537-4296-9CF4-E667848C62BC}"/>
@@ -1003,7 +1003,7 @@
       </p:sp>
       <p:sp>
         <p:nvSpPr>
-          <p:cNvPr id="2" name="titulo_diapo">
+          <p:cNvPr id="2" name="titulo_diapositiva">
             <a:extLst>
               <a:ext uri="{FF2B5EF4-FFF2-40B4-BE49-F238E27FC236}">
                 <a16:creationId xmlns:a16="http://schemas.microsoft.com/office/drawing/2014/main" id="{29FCE891-2873-1849-A37C-A2CF6D30A712}"/>

--- a/bin/pptx/Plantilla_2022.pptx
+++ b/bin/pptx/Plantilla_2022.pptx
@@ -836,7 +836,7 @@
 
 <file path=ppt/slideLayouts/slideLayout2.xml><?xml version="1.0" encoding="utf-8"?>
 <p:sldLayout xmlns:a="http://schemas.openxmlformats.org/drawingml/2006/main" xmlns:r="http://schemas.openxmlformats.org/officeDocument/2006/relationships" xmlns:p="http://schemas.openxmlformats.org/presentationml/2006/main" preserve="1" userDrawn="1">
-  <p:cSld name="diapo_texto_grafico">
+  <p:cSld name="diapositiva_texto_grafico">
     <p:bg>
       <p:bgPr>
         <a:blipFill dpi="0" rotWithShape="1">
@@ -1079,7 +1079,7 @@
 
 <file path=ppt/slideLayouts/slideLayout3.xml><?xml version="1.0" encoding="utf-8"?>
 <p:sldLayout xmlns:a="http://schemas.openxmlformats.org/drawingml/2006/main" xmlns:r="http://schemas.openxmlformats.org/officeDocument/2006/relationships" xmlns:p="http://schemas.openxmlformats.org/presentationml/2006/main" preserve="1" userDrawn="1">
-  <p:cSld name="diapo_cierre">
+  <p:cSld name="diapositiva_cierre">
     <p:bg>
       <p:bgPr>
         <a:blipFill dpi="0" rotWithShape="1">
